--- a/slides/webscraping.pptx
+++ b/slides/webscraping.pptx
@@ -4475,8 +4475,68 @@
           <a:p>
             <a:r>
               <a:rPr lang="en-US" dirty="0" smtClean="0"/>
-              <a:t>Source code</a:t>
-            </a:r>
+              <a:t>Source </a:t>
+            </a:r>
+            <a:r>
+              <a:rPr lang="en-US" dirty="0" smtClean="0"/>
+              <a:t>code at</a:t>
+            </a:r>
+            <a:br>
+              <a:rPr lang="en-US" dirty="0" smtClean="0"/>
+            </a:br>
+            <a:r>
+              <a:rPr lang="en-US" dirty="0" smtClean="0">
+                <a:solidFill>
+                  <a:srgbClr val="FF0000"/>
+                </a:solidFill>
+              </a:rPr>
+              <a:t>https</a:t>
+            </a:r>
+            <a:r>
+              <a:rPr lang="en-US" dirty="0">
+                <a:solidFill>
+                  <a:srgbClr val="FF0000"/>
+                </a:solidFill>
+              </a:rPr>
+              <a:t>://</a:t>
+            </a:r>
+            <a:r>
+              <a:rPr lang="en-US" dirty="0" err="1">
+                <a:solidFill>
+                  <a:srgbClr val="FF0000"/>
+                </a:solidFill>
+              </a:rPr>
+              <a:t>github.com</a:t>
+            </a:r>
+            <a:r>
+              <a:rPr lang="en-US" dirty="0">
+                <a:solidFill>
+                  <a:srgbClr val="FF0000"/>
+                </a:solidFill>
+              </a:rPr>
+              <a:t>/</a:t>
+            </a:r>
+            <a:r>
+              <a:rPr lang="en-US" dirty="0" err="1">
+                <a:solidFill>
+                  <a:srgbClr val="FF0000"/>
+                </a:solidFill>
+              </a:rPr>
+              <a:t>emilkjer</a:t>
+            </a:r>
+            <a:r>
+              <a:rPr lang="en-US" dirty="0">
+                <a:solidFill>
+                  <a:srgbClr val="FF0000"/>
+                </a:solidFill>
+              </a:rPr>
+              <a:t>/Web-Scraping</a:t>
+            </a:r>
+            <a:endParaRPr lang="en-US" dirty="0" smtClean="0">
+              <a:solidFill>
+                <a:srgbClr val="FF0000"/>
+              </a:solidFill>
+            </a:endParaRPr>
           </a:p>
         </p:txBody>
       </p:sp>
